--- a/Documentation/SNMC Online check in-business.pptx
+++ b/Documentation/SNMC Online check in-business.pptx
@@ -6,6 +6,8 @@
   </p:sldMasterIdLst>
   <p:sldIdLst>
     <p:sldId id="257" r:id="rId5"/>
+    <p:sldId id="258" r:id="rId6"/>
+    <p:sldId id="259" r:id="rId7"/>
   </p:sldIdLst>
   <p:sldSz cx="12192000" cy="6858000"/>
   <p:notesSz cx="6858000" cy="9144000"/>
@@ -581,7 +583,7 @@
           <a:p>
             <a:fld id="{EA0C0817-A112-4847-8014-A94B7D2A4EA3}" type="datetime1">
               <a:rPr lang="en-US" smtClean="0"/>
-              <a:t>6/25/2020</a:t>
+              <a:t>2/20/2021</a:t>
             </a:fld>
             <a:endParaRPr lang="en-US" dirty="0"/>
           </a:p>
@@ -783,7 +785,7 @@
           <a:p>
             <a:fld id="{7332B432-ACDA-4023-A761-2BAB76577B62}" type="datetime1">
               <a:rPr lang="en-US" smtClean="0"/>
-              <a:t>6/25/2020</a:t>
+              <a:t>2/20/2021</a:t>
             </a:fld>
             <a:endParaRPr lang="en-US" dirty="0"/>
           </a:p>
@@ -1382,7 +1384,7 @@
           <a:p>
             <a:fld id="{D9C646AA-F36E-4540-911D-FFFC0A0EF24A}" type="datetime1">
               <a:rPr lang="en-US" smtClean="0"/>
-              <a:t>6/25/2020</a:t>
+              <a:t>2/20/2021</a:t>
             </a:fld>
             <a:endParaRPr lang="en-US" dirty="0"/>
           </a:p>
@@ -1702,7 +1704,7 @@
           <a:p>
             <a:fld id="{69186D26-FA5F-4637-B602-B7C2DC34CFD4}" type="datetime1">
               <a:rPr lang="en-US" smtClean="0"/>
-              <a:t>6/25/2020</a:t>
+              <a:t>2/20/2021</a:t>
             </a:fld>
             <a:endParaRPr lang="en-US" dirty="0"/>
           </a:p>
@@ -2139,7 +2141,7 @@
           <a:p>
             <a:fld id="{8A7F15D8-96D1-4781-BC50-CA8A088B2FE4}" type="datetime1">
               <a:rPr lang="en-US" smtClean="0"/>
-              <a:t>6/25/2020</a:t>
+              <a:t>2/20/2021</a:t>
             </a:fld>
             <a:endParaRPr lang="en-US" dirty="0"/>
           </a:p>
@@ -2257,7 +2259,7 @@
           <a:p>
             <a:fld id="{F9A96C99-B8F8-4528-BD05-0E16E943DC09}" type="datetime1">
               <a:rPr lang="en-US" smtClean="0"/>
-              <a:t>6/25/2020</a:t>
+              <a:t>2/20/2021</a:t>
             </a:fld>
             <a:endParaRPr lang="en-US" dirty="0"/>
           </a:p>
@@ -2352,7 +2354,7 @@
           <a:p>
             <a:fld id="{03636942-C211-4B28-8DBD-C953E00AF71B}" type="datetime1">
               <a:rPr lang="en-US" smtClean="0"/>
-              <a:t>6/25/2020</a:t>
+              <a:t>2/20/2021</a:t>
             </a:fld>
             <a:endParaRPr lang="en-US" dirty="0"/>
           </a:p>
@@ -2769,7 +2771,7 @@
           <a:p>
             <a:fld id="{7E8D12A6-918A-48BD-8CB9-CA713993B0EA}" type="datetime1">
               <a:rPr lang="en-US" smtClean="0"/>
-              <a:t>6/25/2020</a:t>
+              <a:t>2/20/2021</a:t>
             </a:fld>
             <a:endParaRPr lang="en-US" dirty="0"/>
           </a:p>
@@ -3031,7 +3033,7 @@
             <a:fld id="{E778CE86-875F-4587-BCF6-FA054AFC0D53}" type="datetime1">
               <a:rPr lang="en-US" smtClean="0"/>
               <a:pPr/>
-              <a:t>6/25/2020</a:t>
+              <a:t>2/20/2021</a:t>
             </a:fld>
             <a:endParaRPr lang="en-US" dirty="0"/>
           </a:p>
@@ -3547,7 +3549,7 @@
           <a:p>
             <a:fld id="{F6FA2B21-3FCD-4721-B95C-427943F61125}" type="datetime1">
               <a:rPr lang="en-US" smtClean="0"/>
-              <a:t>6/25/2020</a:t>
+              <a:t>2/20/2021</a:t>
             </a:fld>
             <a:endParaRPr lang="en-US" dirty="0"/>
           </a:p>
@@ -4242,6 +4244,553 @@
 </p:sld>
 </file>
 
+<file path=ppt/slides/slide2.xml><?xml version="1.0" encoding="utf-8"?>
+<p:sld xmlns:a="http://schemas.openxmlformats.org/drawingml/2006/main" xmlns:r="http://schemas.openxmlformats.org/officeDocument/2006/relationships" xmlns:p="http://schemas.openxmlformats.org/presentationml/2006/main">
+  <p:cSld>
+    <p:spTree>
+      <p:nvGrpSpPr>
+        <p:cNvPr id="1" name=""/>
+        <p:cNvGrpSpPr/>
+        <p:nvPr/>
+      </p:nvGrpSpPr>
+      <p:grpSpPr>
+        <a:xfrm>
+          <a:off x="0" y="0"/>
+          <a:ext cx="0" cy="0"/>
+          <a:chOff x="0" y="0"/>
+          <a:chExt cx="0" cy="0"/>
+        </a:xfrm>
+      </p:grpSpPr>
+      <p:sp>
+        <p:nvSpPr>
+          <p:cNvPr id="2" name="Title 1">
+            <a:extLst>
+              <a:ext uri="{FF2B5EF4-FFF2-40B4-BE49-F238E27FC236}">
+                <a16:creationId xmlns:a16="http://schemas.microsoft.com/office/drawing/2014/main" id="{52C7EA0F-FCCF-4FE9-A561-72752CA1842F}"/>
+              </a:ext>
+            </a:extLst>
+          </p:cNvPr>
+          <p:cNvSpPr>
+            <a:spLocks noGrp="1"/>
+          </p:cNvSpPr>
+          <p:nvPr>
+            <p:ph type="title"/>
+          </p:nvPr>
+        </p:nvSpPr>
+        <p:spPr/>
+        <p:txBody>
+          <a:bodyPr/>
+          <a:lstStyle/>
+          <a:p>
+            <a:r>
+              <a:rPr lang="en-US" dirty="0"/>
+              <a:t>Problem</a:t>
+            </a:r>
+            <a:endParaRPr lang="en-CA" dirty="0"/>
+          </a:p>
+        </p:txBody>
+      </p:sp>
+      <p:sp>
+        <p:nvSpPr>
+          <p:cNvPr id="3" name="Content Placeholder 2">
+            <a:extLst>
+              <a:ext uri="{FF2B5EF4-FFF2-40B4-BE49-F238E27FC236}">
+                <a16:creationId xmlns:a16="http://schemas.microsoft.com/office/drawing/2014/main" id="{CCDC6A2F-C06D-4CE2-A79A-B0F20DBD7BD3}"/>
+              </a:ext>
+            </a:extLst>
+          </p:cNvPr>
+          <p:cNvSpPr>
+            <a:spLocks noGrp="1"/>
+          </p:cNvSpPr>
+          <p:nvPr>
+            <p:ph idx="1"/>
+          </p:nvPr>
+        </p:nvSpPr>
+        <p:spPr>
+          <a:xfrm>
+            <a:off x="1066800" y="2103120"/>
+            <a:ext cx="10058400" cy="1101474"/>
+          </a:xfrm>
+        </p:spPr>
+        <p:txBody>
+          <a:bodyPr>
+            <a:normAutofit/>
+          </a:bodyPr>
+          <a:lstStyle/>
+          <a:p>
+            <a:pPr marL="0" indent="0">
+              <a:buNone/>
+            </a:pPr>
+            <a:r>
+              <a:rPr lang="en-CA" sz="2400" dirty="0"/>
+              <a:t>With the reopening of mosques, we need a solution to record and track </a:t>
+            </a:r>
+            <a:r>
+              <a:rPr lang="en-CA" sz="2400" dirty="0" err="1"/>
+              <a:t>Covid</a:t>
+            </a:r>
+            <a:r>
+              <a:rPr lang="en-CA" sz="2400" dirty="0"/>
+              <a:t> cases within the mosque.</a:t>
+            </a:r>
+          </a:p>
+          <a:p>
+            <a:endParaRPr lang="en-CA" sz="2400" dirty="0"/>
+          </a:p>
+        </p:txBody>
+      </p:sp>
+      <p:sp>
+        <p:nvSpPr>
+          <p:cNvPr id="4" name="Title 1">
+            <a:extLst>
+              <a:ext uri="{FF2B5EF4-FFF2-40B4-BE49-F238E27FC236}">
+                <a16:creationId xmlns:a16="http://schemas.microsoft.com/office/drawing/2014/main" id="{4F2F40CD-59A4-4A6C-862A-82B98160DE9E}"/>
+              </a:ext>
+            </a:extLst>
+          </p:cNvPr>
+          <p:cNvSpPr txBox="1">
+            <a:spLocks/>
+          </p:cNvSpPr>
+          <p:nvPr/>
+        </p:nvSpPr>
+        <p:spPr>
+          <a:xfrm>
+            <a:off x="1066800" y="3051912"/>
+            <a:ext cx="10058400" cy="1371600"/>
+          </a:xfrm>
+          <a:prstGeom prst="rect">
+            <a:avLst/>
+          </a:prstGeom>
+        </p:spPr>
+        <p:txBody>
+          <a:bodyPr vert="horz" lIns="91440" tIns="45720" rIns="91440" bIns="45720" rtlCol="0" anchor="ctr">
+            <a:normAutofit/>
+          </a:bodyPr>
+          <a:lstStyle>
+            <a:lvl1pPr algn="l" defTabSz="914400" rtl="0" eaLnBrk="1" latinLnBrk="0" hangingPunct="1">
+              <a:lnSpc>
+                <a:spcPct val="90000"/>
+              </a:lnSpc>
+              <a:spcBef>
+                <a:spcPct val="0"/>
+              </a:spcBef>
+              <a:buNone/>
+              <a:defRPr lang="en-US" sz="4000" i="0" kern="1200" cap="none" spc="0" baseline="0" dirty="0">
+                <a:solidFill>
+                  <a:schemeClr val="tx1">
+                    <a:lumMod val="85000"/>
+                    <a:lumOff val="15000"/>
+                  </a:schemeClr>
+                </a:solidFill>
+                <a:effectLst/>
+                <a:latin typeface="+mj-lt"/>
+                <a:ea typeface="+mn-ea"/>
+                <a:cs typeface="+mn-cs"/>
+              </a:defRPr>
+            </a:lvl1pPr>
+          </a:lstStyle>
+          <a:p>
+            <a:r>
+              <a:rPr lang="en-CA" dirty="0"/>
+              <a:t>Solution </a:t>
+            </a:r>
+          </a:p>
+        </p:txBody>
+      </p:sp>
+      <p:sp>
+        <p:nvSpPr>
+          <p:cNvPr id="5" name="Content Placeholder 2">
+            <a:extLst>
+              <a:ext uri="{FF2B5EF4-FFF2-40B4-BE49-F238E27FC236}">
+                <a16:creationId xmlns:a16="http://schemas.microsoft.com/office/drawing/2014/main" id="{82C63BA0-84D9-431A-AFD7-77F58C8839ED}"/>
+              </a:ext>
+            </a:extLst>
+          </p:cNvPr>
+          <p:cNvSpPr txBox="1">
+            <a:spLocks/>
+          </p:cNvSpPr>
+          <p:nvPr/>
+        </p:nvSpPr>
+        <p:spPr>
+          <a:xfrm>
+            <a:off x="1066800" y="4423512"/>
+            <a:ext cx="10058400" cy="1371600"/>
+          </a:xfrm>
+          <a:prstGeom prst="rect">
+            <a:avLst/>
+          </a:prstGeom>
+        </p:spPr>
+        <p:txBody>
+          <a:bodyPr vert="horz" lIns="91440" tIns="45720" rIns="91440" bIns="45720" rtlCol="0">
+            <a:normAutofit/>
+          </a:bodyPr>
+          <a:lstStyle>
+            <a:lvl1pPr marL="182880" indent="-182880" algn="l" defTabSz="914400" rtl="0" eaLnBrk="1" latinLnBrk="0" hangingPunct="1">
+              <a:lnSpc>
+                <a:spcPct val="110000"/>
+              </a:lnSpc>
+              <a:spcBef>
+                <a:spcPts val="900"/>
+              </a:spcBef>
+              <a:spcAft>
+                <a:spcPts val="0"/>
+              </a:spcAft>
+              <a:buClr>
+                <a:schemeClr val="tx1">
+                  <a:lumMod val="85000"/>
+                  <a:lumOff val="15000"/>
+                </a:schemeClr>
+              </a:buClr>
+              <a:buFont typeface="Garamond" pitchFamily="18" charset="0"/>
+              <a:buChar char="◦"/>
+              <a:defRPr sz="1500" kern="1200">
+                <a:solidFill>
+                  <a:schemeClr val="tx1"/>
+                </a:solidFill>
+                <a:latin typeface="+mn-lt"/>
+                <a:ea typeface="+mn-ea"/>
+                <a:cs typeface="+mn-cs"/>
+              </a:defRPr>
+            </a:lvl1pPr>
+            <a:lvl2pPr marL="457200" indent="-182880" algn="l" defTabSz="914400" rtl="0" eaLnBrk="1" latinLnBrk="0" hangingPunct="1">
+              <a:lnSpc>
+                <a:spcPct val="100000"/>
+              </a:lnSpc>
+              <a:spcBef>
+                <a:spcPts val="500"/>
+              </a:spcBef>
+              <a:buClr>
+                <a:schemeClr val="tx1">
+                  <a:lumMod val="85000"/>
+                  <a:lumOff val="15000"/>
+                </a:schemeClr>
+              </a:buClr>
+              <a:buFont typeface="Garamond" pitchFamily="18" charset="0"/>
+              <a:buChar char="◦"/>
+              <a:defRPr sz="1300" kern="1200">
+                <a:solidFill>
+                  <a:schemeClr val="tx1"/>
+                </a:solidFill>
+                <a:latin typeface="+mn-lt"/>
+                <a:ea typeface="+mn-ea"/>
+                <a:cs typeface="+mn-cs"/>
+              </a:defRPr>
+            </a:lvl2pPr>
+            <a:lvl3pPr marL="731520" indent="-182880" algn="l" defTabSz="914400" rtl="0" eaLnBrk="1" latinLnBrk="0" hangingPunct="1">
+              <a:lnSpc>
+                <a:spcPct val="100000"/>
+              </a:lnSpc>
+              <a:spcBef>
+                <a:spcPts val="500"/>
+              </a:spcBef>
+              <a:buClr>
+                <a:schemeClr val="tx1">
+                  <a:lumMod val="85000"/>
+                  <a:lumOff val="15000"/>
+                </a:schemeClr>
+              </a:buClr>
+              <a:buFont typeface="Garamond" pitchFamily="18" charset="0"/>
+              <a:buChar char="◦"/>
+              <a:defRPr sz="1200" kern="1200">
+                <a:solidFill>
+                  <a:schemeClr val="tx1"/>
+                </a:solidFill>
+                <a:latin typeface="+mn-lt"/>
+                <a:ea typeface="+mn-ea"/>
+                <a:cs typeface="+mn-cs"/>
+              </a:defRPr>
+            </a:lvl3pPr>
+            <a:lvl4pPr marL="1005840" indent="-182880" algn="l" defTabSz="914400" rtl="0" eaLnBrk="1" latinLnBrk="0" hangingPunct="1">
+              <a:lnSpc>
+                <a:spcPct val="100000"/>
+              </a:lnSpc>
+              <a:spcBef>
+                <a:spcPts val="500"/>
+              </a:spcBef>
+              <a:buClr>
+                <a:schemeClr val="tx1">
+                  <a:lumMod val="85000"/>
+                  <a:lumOff val="15000"/>
+                </a:schemeClr>
+              </a:buClr>
+              <a:buFont typeface="Garamond" pitchFamily="18" charset="0"/>
+              <a:buChar char="◦"/>
+              <a:defRPr sz="1200" kern="1200">
+                <a:solidFill>
+                  <a:schemeClr val="tx1"/>
+                </a:solidFill>
+                <a:latin typeface="+mn-lt"/>
+                <a:ea typeface="+mn-ea"/>
+                <a:cs typeface="+mn-cs"/>
+              </a:defRPr>
+            </a:lvl4pPr>
+            <a:lvl5pPr marL="1280160" indent="-182880" algn="l" defTabSz="914400" rtl="0" eaLnBrk="1" latinLnBrk="0" hangingPunct="1">
+              <a:lnSpc>
+                <a:spcPct val="100000"/>
+              </a:lnSpc>
+              <a:spcBef>
+                <a:spcPts val="500"/>
+              </a:spcBef>
+              <a:buClr>
+                <a:schemeClr val="tx1">
+                  <a:lumMod val="85000"/>
+                  <a:lumOff val="15000"/>
+                </a:schemeClr>
+              </a:buClr>
+              <a:buFont typeface="Garamond" pitchFamily="18" charset="0"/>
+              <a:buChar char="◦"/>
+              <a:defRPr sz="1200" kern="1200">
+                <a:solidFill>
+                  <a:schemeClr val="tx1"/>
+                </a:solidFill>
+                <a:latin typeface="+mn-lt"/>
+                <a:ea typeface="+mn-ea"/>
+                <a:cs typeface="+mn-cs"/>
+              </a:defRPr>
+            </a:lvl5pPr>
+            <a:lvl6pPr marL="1600000" indent="-228600" algn="l" defTabSz="914400" rtl="0" eaLnBrk="1" latinLnBrk="0" hangingPunct="1">
+              <a:lnSpc>
+                <a:spcPct val="100000"/>
+              </a:lnSpc>
+              <a:spcBef>
+                <a:spcPts val="500"/>
+              </a:spcBef>
+              <a:buClr>
+                <a:schemeClr val="tx1">
+                  <a:lumMod val="85000"/>
+                  <a:lumOff val="15000"/>
+                </a:schemeClr>
+              </a:buClr>
+              <a:buFont typeface="Garamond" pitchFamily="18" charset="0"/>
+              <a:buChar char="◦"/>
+              <a:defRPr sz="1400" kern="1200">
+                <a:solidFill>
+                  <a:schemeClr val="tx1"/>
+                </a:solidFill>
+                <a:latin typeface="+mn-lt"/>
+                <a:ea typeface="+mn-ea"/>
+                <a:cs typeface="+mn-cs"/>
+              </a:defRPr>
+            </a:lvl6pPr>
+            <a:lvl7pPr marL="1900000" indent="-228600" algn="l" defTabSz="914400" rtl="0" eaLnBrk="1" latinLnBrk="0" hangingPunct="1">
+              <a:lnSpc>
+                <a:spcPct val="100000"/>
+              </a:lnSpc>
+              <a:spcBef>
+                <a:spcPts val="500"/>
+              </a:spcBef>
+              <a:buClr>
+                <a:schemeClr val="tx1">
+                  <a:lumMod val="85000"/>
+                  <a:lumOff val="15000"/>
+                </a:schemeClr>
+              </a:buClr>
+              <a:buFont typeface="Garamond" pitchFamily="18" charset="0"/>
+              <a:buChar char="◦"/>
+              <a:defRPr sz="1400" kern="1200">
+                <a:solidFill>
+                  <a:schemeClr val="tx1"/>
+                </a:solidFill>
+                <a:latin typeface="+mn-lt"/>
+                <a:ea typeface="+mn-ea"/>
+                <a:cs typeface="+mn-cs"/>
+              </a:defRPr>
+            </a:lvl7pPr>
+            <a:lvl8pPr marL="2200000" indent="-228600" algn="l" defTabSz="914400" rtl="0" eaLnBrk="1" latinLnBrk="0" hangingPunct="1">
+              <a:lnSpc>
+                <a:spcPct val="100000"/>
+              </a:lnSpc>
+              <a:spcBef>
+                <a:spcPts val="500"/>
+              </a:spcBef>
+              <a:buClr>
+                <a:schemeClr val="tx1">
+                  <a:lumMod val="85000"/>
+                  <a:lumOff val="15000"/>
+                </a:schemeClr>
+              </a:buClr>
+              <a:buFont typeface="Garamond" pitchFamily="18" charset="0"/>
+              <a:buChar char="◦"/>
+              <a:defRPr sz="1400" kern="1200">
+                <a:solidFill>
+                  <a:schemeClr val="tx1"/>
+                </a:solidFill>
+                <a:latin typeface="+mn-lt"/>
+                <a:ea typeface="+mn-ea"/>
+                <a:cs typeface="+mn-cs"/>
+              </a:defRPr>
+            </a:lvl8pPr>
+            <a:lvl9pPr marL="2500000" indent="-228600" algn="l" defTabSz="914400" rtl="0" eaLnBrk="1" latinLnBrk="0" hangingPunct="1">
+              <a:lnSpc>
+                <a:spcPct val="100000"/>
+              </a:lnSpc>
+              <a:spcBef>
+                <a:spcPts val="500"/>
+              </a:spcBef>
+              <a:buClr>
+                <a:schemeClr val="tx1">
+                  <a:lumMod val="85000"/>
+                  <a:lumOff val="15000"/>
+                </a:schemeClr>
+              </a:buClr>
+              <a:buFont typeface="Garamond" pitchFamily="18" charset="0"/>
+              <a:buChar char="◦"/>
+              <a:defRPr sz="1400" kern="1200">
+                <a:solidFill>
+                  <a:schemeClr val="tx1"/>
+                </a:solidFill>
+                <a:latin typeface="+mn-lt"/>
+                <a:ea typeface="+mn-ea"/>
+                <a:cs typeface="+mn-cs"/>
+              </a:defRPr>
+            </a:lvl9pPr>
+          </a:lstStyle>
+          <a:p>
+            <a:pPr marL="0" indent="0">
+              <a:buFont typeface="Garamond" pitchFamily="18" charset="0"/>
+              <a:buNone/>
+            </a:pPr>
+            <a:r>
+              <a:rPr lang="en-CA" sz="2200"/>
+              <a:t>To create a booking system which allows for recording which users attended which prayer.</a:t>
+            </a:r>
+          </a:p>
+          <a:p>
+            <a:pPr marL="0" indent="0">
+              <a:buFont typeface="Garamond" pitchFamily="18" charset="0"/>
+              <a:buNone/>
+            </a:pPr>
+            <a:endParaRPr lang="en-US" sz="2200" dirty="0"/>
+          </a:p>
+        </p:txBody>
+      </p:sp>
+    </p:spTree>
+    <p:extLst>
+      <p:ext uri="{BB962C8B-B14F-4D97-AF65-F5344CB8AC3E}">
+        <p14:creationId xmlns:p14="http://schemas.microsoft.com/office/powerpoint/2010/main" val="3306919565"/>
+      </p:ext>
+    </p:extLst>
+  </p:cSld>
+  <p:clrMapOvr>
+    <a:masterClrMapping/>
+  </p:clrMapOvr>
+</p:sld>
+</file>
+
+<file path=ppt/slides/slide3.xml><?xml version="1.0" encoding="utf-8"?>
+<p:sld xmlns:a="http://schemas.openxmlformats.org/drawingml/2006/main" xmlns:r="http://schemas.openxmlformats.org/officeDocument/2006/relationships" xmlns:p="http://schemas.openxmlformats.org/presentationml/2006/main">
+  <p:cSld>
+    <p:spTree>
+      <p:nvGrpSpPr>
+        <p:cNvPr id="1" name=""/>
+        <p:cNvGrpSpPr/>
+        <p:nvPr/>
+      </p:nvGrpSpPr>
+      <p:grpSpPr>
+        <a:xfrm>
+          <a:off x="0" y="0"/>
+          <a:ext cx="0" cy="0"/>
+          <a:chOff x="0" y="0"/>
+          <a:chExt cx="0" cy="0"/>
+        </a:xfrm>
+      </p:grpSpPr>
+      <p:sp>
+        <p:nvSpPr>
+          <p:cNvPr id="2" name="Title 1">
+            <a:extLst>
+              <a:ext uri="{FF2B5EF4-FFF2-40B4-BE49-F238E27FC236}">
+                <a16:creationId xmlns:a16="http://schemas.microsoft.com/office/drawing/2014/main" id="{52C7EA0F-FCCF-4FE9-A561-72752CA1842F}"/>
+              </a:ext>
+            </a:extLst>
+          </p:cNvPr>
+          <p:cNvSpPr>
+            <a:spLocks noGrp="1"/>
+          </p:cNvSpPr>
+          <p:nvPr>
+            <p:ph type="title"/>
+          </p:nvPr>
+        </p:nvSpPr>
+        <p:spPr/>
+        <p:txBody>
+          <a:bodyPr/>
+          <a:lstStyle/>
+          <a:p>
+            <a:r>
+              <a:rPr lang="en-CA" dirty="0"/>
+              <a:t>Considerations</a:t>
+            </a:r>
+          </a:p>
+        </p:txBody>
+      </p:sp>
+      <p:sp>
+        <p:nvSpPr>
+          <p:cNvPr id="3" name="Content Placeholder 2">
+            <a:extLst>
+              <a:ext uri="{FF2B5EF4-FFF2-40B4-BE49-F238E27FC236}">
+                <a16:creationId xmlns:a16="http://schemas.microsoft.com/office/drawing/2014/main" id="{CCDC6A2F-C06D-4CE2-A79A-B0F20DBD7BD3}"/>
+              </a:ext>
+            </a:extLst>
+          </p:cNvPr>
+          <p:cNvSpPr>
+            <a:spLocks noGrp="1"/>
+          </p:cNvSpPr>
+          <p:nvPr>
+            <p:ph idx="1"/>
+          </p:nvPr>
+        </p:nvSpPr>
+        <p:spPr>
+          <a:xfrm>
+            <a:off x="1066800" y="2014194"/>
+            <a:ext cx="10058400" cy="1371600"/>
+          </a:xfrm>
+        </p:spPr>
+        <p:txBody>
+          <a:bodyPr>
+            <a:normAutofit/>
+          </a:bodyPr>
+          <a:lstStyle/>
+          <a:p>
+            <a:pPr marL="0" indent="0">
+              <a:buNone/>
+            </a:pPr>
+            <a:r>
+              <a:rPr lang="en-CA" sz="2000" dirty="0"/>
+              <a:t>When developing our solution, we considered</a:t>
+            </a:r>
+          </a:p>
+          <a:p>
+            <a:pPr marL="0" indent="0">
+              <a:buNone/>
+            </a:pPr>
+            <a:r>
+              <a:rPr lang="en-CA" sz="2000" dirty="0"/>
+              <a:t>•	Those who are technologically challenged</a:t>
+            </a:r>
+          </a:p>
+          <a:p>
+            <a:pPr marL="0" indent="0">
+              <a:buNone/>
+            </a:pPr>
+            <a:r>
+              <a:rPr lang="en-CA" sz="2000" dirty="0"/>
+              <a:t>•	Those who reserve spots but do not attend</a:t>
+            </a:r>
+          </a:p>
+        </p:txBody>
+      </p:sp>
+    </p:spTree>
+    <p:extLst>
+      <p:ext uri="{BB962C8B-B14F-4D97-AF65-F5344CB8AC3E}">
+        <p14:creationId xmlns:p14="http://schemas.microsoft.com/office/powerpoint/2010/main" val="326894967"/>
+      </p:ext>
+    </p:extLst>
+  </p:cSld>
+  <p:clrMapOvr>
+    <a:masterClrMapping/>
+  </p:clrMapOvr>
+</p:sld>
+</file>
+
 <file path=ppt/theme/theme1.xml><?xml version="1.0" encoding="utf-8"?>
 <a:theme xmlns:a="http://schemas.openxmlformats.org/drawingml/2006/main" name="SavonVTI">
   <a:themeElements>
@@ -4519,24 +5068,6 @@
 </file>
 
 <file path=customXml/item1.xml><?xml version="1.0" encoding="utf-8"?>
-<p:properties xmlns:p="http://schemas.microsoft.com/office/2006/metadata/properties" xmlns:xsi="http://www.w3.org/2001/XMLSchema-instance" xmlns:pc="http://schemas.microsoft.com/office/infopath/2007/PartnerControls">
-  <documentManagement>
-    <Status xmlns="71af3243-3dd4-4a8d-8c0d-dd76da1f02a5">Not started</Status>
-    <MediaServiceKeyPoints xmlns="71af3243-3dd4-4a8d-8c0d-dd76da1f02a5" xsi:nil="true"/>
-  </documentManagement>
-</p:properties>
-</file>
-
-<file path=customXml/item2.xml><?xml version="1.0" encoding="utf-8"?>
-<?mso-contentType ?>
-<FormTemplates xmlns="http://schemas.microsoft.com/sharepoint/v3/contenttype/forms">
-  <Display>DocumentLibraryForm</Display>
-  <Edit>DocumentLibraryForm</Edit>
-  <New>DocumentLibraryForm</New>
-</FormTemplates>
-</file>
-
-<file path=customXml/item3.xml><?xml version="1.0" encoding="utf-8"?>
 <ct:contentTypeSchema xmlns:ct="http://schemas.microsoft.com/office/2006/metadata/contentType" xmlns:ma="http://schemas.microsoft.com/office/2006/metadata/properties/metaAttributes" ct:_="" ma:_="" ma:contentTypeName="Document" ma:contentTypeID="0x01010079F111ED35F8CC479449609E8A0923A6" ma:contentTypeVersion="12" ma:contentTypeDescription="Create a new document." ma:contentTypeScope="" ma:versionID="a410dd7f93c95333ffa1b60ed6adedd1">
   <xsd:schema xmlns:xsd="http://www.w3.org/2001/XMLSchema" xmlns:xs="http://www.w3.org/2001/XMLSchema" xmlns:p="http://schemas.microsoft.com/office/2006/metadata/properties" xmlns:ns2="71af3243-3dd4-4a8d-8c0d-dd76da1f02a5" xmlns:ns3="16c05727-aa75-4e4a-9b5f-8a80a1165891" targetNamespace="http://schemas.microsoft.com/office/2006/metadata/properties" ma:root="true" ma:fieldsID="a936d9baba76aa3866493feff160faab" ns2:_="" ns3:_="">
     <xsd:import namespace="71af3243-3dd4-4a8d-8c0d-dd76da1f02a5"/>
@@ -4757,25 +5288,25 @@
 </ct:contentTypeSchema>
 </file>
 
-<file path=customXml/itemProps1.xml><?xml version="1.0" encoding="utf-8"?>
-<ds:datastoreItem xmlns:ds="http://schemas.openxmlformats.org/officeDocument/2006/customXml" ds:itemID="{137651BA-F45C-4845-9AB3-E0A65B39F5E1}">
-  <ds:schemaRefs>
-    <ds:schemaRef ds:uri="http://schemas.microsoft.com/office/2006/metadata/properties"/>
-    <ds:schemaRef ds:uri="http://schemas.microsoft.com/office/infopath/2007/PartnerControls"/>
-    <ds:schemaRef ds:uri="71af3243-3dd4-4a8d-8c0d-dd76da1f02a5"/>
-  </ds:schemaRefs>
-</ds:datastoreItem>
+<file path=customXml/item2.xml><?xml version="1.0" encoding="utf-8"?>
+<?mso-contentType ?>
+<FormTemplates xmlns="http://schemas.microsoft.com/sharepoint/v3/contenttype/forms">
+  <Display>DocumentLibraryForm</Display>
+  <Edit>DocumentLibraryForm</Edit>
+  <New>DocumentLibraryForm</New>
+</FormTemplates>
 </file>
 
-<file path=customXml/itemProps2.xml><?xml version="1.0" encoding="utf-8"?>
-<ds:datastoreItem xmlns:ds="http://schemas.openxmlformats.org/officeDocument/2006/customXml" ds:itemID="{CDB58277-F8DF-46FF-84EC-EF41B835E69F}">
-  <ds:schemaRefs>
-    <ds:schemaRef ds:uri="http://schemas.microsoft.com/sharepoint/v3/contenttype/forms"/>
-  </ds:schemaRefs>
-</ds:datastoreItem>
+<file path=customXml/item3.xml><?xml version="1.0" encoding="utf-8"?>
+<p:properties xmlns:p="http://schemas.microsoft.com/office/2006/metadata/properties" xmlns:xsi="http://www.w3.org/2001/XMLSchema-instance" xmlns:pc="http://schemas.microsoft.com/office/infopath/2007/PartnerControls">
+  <documentManagement>
+    <Status xmlns="71af3243-3dd4-4a8d-8c0d-dd76da1f02a5">Not started</Status>
+    <MediaServiceKeyPoints xmlns="71af3243-3dd4-4a8d-8c0d-dd76da1f02a5" xsi:nil="true"/>
+  </documentManagement>
+</p:properties>
 </file>
 
-<file path=customXml/itemProps3.xml><?xml version="1.0" encoding="utf-8"?>
+<file path=customXml/itemProps1.xml><?xml version="1.0" encoding="utf-8"?>
 <ds:datastoreItem xmlns:ds="http://schemas.openxmlformats.org/officeDocument/2006/customXml" ds:itemID="{2D276E62-80A3-44DD-9BCC-97ED2B99B57F}">
   <ds:schemaRefs>
     <ds:schemaRef ds:uri="http://schemas.microsoft.com/office/2006/metadata/contentType"/>
@@ -4792,4 +5323,22 @@
     <ds:schemaRef ds:uri="http://schemas.microsoft.com/internal/obd"/>
   </ds:schemaRefs>
 </ds:datastoreItem>
+</file>
+
+<file path=customXml/itemProps2.xml><?xml version="1.0" encoding="utf-8"?>
+<ds:datastoreItem xmlns:ds="http://schemas.openxmlformats.org/officeDocument/2006/customXml" ds:itemID="{CDB58277-F8DF-46FF-84EC-EF41B835E69F}">
+  <ds:schemaRefs>
+    <ds:schemaRef ds:uri="http://schemas.microsoft.com/sharepoint/v3/contenttype/forms"/>
+  </ds:schemaRefs>
+</ds:datastoreItem>
+</file>
+
+<file path=customXml/itemProps3.xml><?xml version="1.0" encoding="utf-8"?>
+<ds:datastoreItem xmlns:ds="http://schemas.openxmlformats.org/officeDocument/2006/customXml" ds:itemID="{137651BA-F45C-4845-9AB3-E0A65B39F5E1}">
+  <ds:schemaRefs>
+    <ds:schemaRef ds:uri="http://schemas.microsoft.com/office/2006/metadata/properties"/>
+    <ds:schemaRef ds:uri="http://schemas.microsoft.com/office/infopath/2007/PartnerControls"/>
+    <ds:schemaRef ds:uri="71af3243-3dd4-4a8d-8c0d-dd76da1f02a5"/>
+  </ds:schemaRefs>
+</ds:datastoreItem>
 </file>